--- a/Project report.pptx
+++ b/Project report.pptx
@@ -5,7 +5,7 @@
     <p:sldMasterId id="2147483648" r:id="rId1"/>
   </p:sldMasterIdLst>
   <p:notesMasterIdLst>
-    <p:notesMasterId r:id="rId11"/>
+    <p:notesMasterId r:id="rId13"/>
   </p:notesMasterIdLst>
   <p:sldIdLst>
     <p:sldId id="256" r:id="rId2"/>
@@ -17,6 +17,8 @@
     <p:sldId id="262" r:id="rId8"/>
     <p:sldId id="263" r:id="rId9"/>
     <p:sldId id="264" r:id="rId10"/>
+    <p:sldId id="265" r:id="rId11"/>
+    <p:sldId id="266" r:id="rId12"/>
   </p:sldIdLst>
   <p:sldSz cx="12192000" cy="6858000"/>
   <p:notesSz cx="6858000" cy="9144000"/>
@@ -115,6 +117,14 @@
       </a:defRPr>
     </a:lvl9pPr>
   </p:defaultTextStyle>
+  <p:extLst>
+    <p:ext uri="{EFAFB233-063F-42B5-8137-9DF3F51BA10A}">
+      <p15:sldGuideLst xmlns:p15="http://schemas.microsoft.com/office/powerpoint/2012/main"/>
+    </p:ext>
+    <p:ext uri="{2D200454-40CA-4A62-9FC3-DE9A4176ACB9}">
+      <p15:notesGuideLst xmlns:p15="http://schemas.microsoft.com/office/powerpoint/2012/main"/>
+    </p:ext>
+  </p:extLst>
 </p:presentation>
 </file>
 
@@ -200,7 +210,7 @@
           <a:p>
             <a:fld id="{BF54C7B1-CF05-4A65-9C67-C0268DA06BD2}" type="datetimeFigureOut">
               <a:rPr lang="en-GB" smtClean="0"/>
-              <a:t>07/07/2020</a:t>
+              <a:t>08/07/2020</a:t>
             </a:fld>
             <a:endParaRPr lang="en-GB"/>
           </a:p>
@@ -959,7 +969,7 @@
           <a:p>
             <a:fld id="{65EF4D56-C8F2-4A57-8E8C-72E888F130BC}" type="datetimeFigureOut">
               <a:rPr lang="en-GB" smtClean="0"/>
-              <a:t>07/07/2020</a:t>
+              <a:t>08/07/2020</a:t>
             </a:fld>
             <a:endParaRPr lang="en-GB"/>
           </a:p>
@@ -1169,7 +1179,7 @@
           <a:p>
             <a:fld id="{65EF4D56-C8F2-4A57-8E8C-72E888F130BC}" type="datetimeFigureOut">
               <a:rPr lang="en-GB" smtClean="0"/>
-              <a:t>07/07/2020</a:t>
+              <a:t>08/07/2020</a:t>
             </a:fld>
             <a:endParaRPr lang="en-GB"/>
           </a:p>
@@ -1380,121 +1390,72 @@
           <a:p>
             <a:pPr lvl="0"/>
             <a:r>
-              <a:rPr lang="it-IT"/>
+              <a:rPr lang="it-IT" dirty="0"/>
               <a:t>Fare clic per modificare gli stili del testo dello schema</a:t>
             </a:r>
           </a:p>
           <a:p>
             <a:pPr lvl="1"/>
             <a:r>
-              <a:rPr lang="it-IT"/>
+              <a:rPr lang="it-IT" dirty="0"/>
               <a:t>Secondo livello</a:t>
             </a:r>
           </a:p>
           <a:p>
             <a:pPr lvl="2"/>
             <a:r>
-              <a:rPr lang="it-IT"/>
+              <a:rPr lang="it-IT" dirty="0"/>
               <a:t>Terzo livello</a:t>
             </a:r>
           </a:p>
           <a:p>
             <a:pPr lvl="3"/>
             <a:r>
-              <a:rPr lang="it-IT"/>
+              <a:rPr lang="it-IT" dirty="0"/>
               <a:t>Quarto livello</a:t>
             </a:r>
           </a:p>
           <a:p>
             <a:pPr lvl="4"/>
             <a:r>
-              <a:rPr lang="it-IT"/>
+              <a:rPr lang="it-IT" dirty="0"/>
               <a:t>Quinto livello</a:t>
             </a:r>
-            <a:endParaRPr lang="en-GB"/>
-          </a:p>
-        </p:txBody>
-      </p:sp>
-      <p:sp>
-        <p:nvSpPr>
-          <p:cNvPr id="8" name="Rettangolo 7">
-            <a:extLst>
-              <a:ext uri="{FF2B5EF4-FFF2-40B4-BE49-F238E27FC236}">
-                <a16:creationId xmlns:a16="http://schemas.microsoft.com/office/drawing/2014/main" id="{2F8C9150-6175-45AA-ADA9-F1082E0C957F}"/>
-              </a:ext>
-            </a:extLst>
-          </p:cNvPr>
-          <p:cNvSpPr/>
-          <p:nvPr userDrawn="1"/>
+            <a:endParaRPr lang="en-GB" dirty="0"/>
+          </a:p>
+        </p:txBody>
+      </p:sp>
+      <p:sp>
+        <p:nvSpPr>
+          <p:cNvPr id="11" name="Segnaposto numero diapositiva 10">
+            <a:extLst>
+              <a:ext uri="{FF2B5EF4-FFF2-40B4-BE49-F238E27FC236}">
+                <a16:creationId xmlns:a16="http://schemas.microsoft.com/office/drawing/2014/main" id="{70262DE1-4017-489C-8066-9CA890DC81F3}"/>
+              </a:ext>
+            </a:extLst>
+          </p:cNvPr>
+          <p:cNvSpPr>
+            <a:spLocks noGrp="1"/>
+          </p:cNvSpPr>
+          <p:nvPr>
+            <p:ph type="sldNum" sz="quarter" idx="12"/>
+          </p:nvPr>
         </p:nvSpPr>
         <p:spPr>
           <a:xfrm>
-            <a:off x="0" y="6641306"/>
-            <a:ext cx="12192000" cy="216694"/>
-          </a:xfrm>
-          <a:prstGeom prst="rect">
-            <a:avLst/>
-          </a:prstGeom>
-          <a:solidFill>
-            <a:schemeClr val="accent2">
-              <a:lumMod val="75000"/>
-            </a:schemeClr>
-          </a:solidFill>
-        </p:spPr>
-        <p:style>
-          <a:lnRef idx="2">
-            <a:schemeClr val="accent1">
-              <a:shade val="50000"/>
-            </a:schemeClr>
-          </a:lnRef>
-          <a:fillRef idx="1">
-            <a:schemeClr val="accent1"/>
-          </a:fillRef>
-          <a:effectRef idx="0">
-            <a:schemeClr val="accent1"/>
-          </a:effectRef>
-          <a:fontRef idx="minor">
-            <a:schemeClr val="lt1"/>
-          </a:fontRef>
-        </p:style>
-        <p:txBody>
-          <a:bodyPr rtlCol="0" anchor="ctr"/>
-          <a:lstStyle/>
-          <a:p>
-            <a:pPr algn="ctr"/>
-            <a:endParaRPr lang="en-GB"/>
-          </a:p>
-        </p:txBody>
-      </p:sp>
-      <p:sp>
-        <p:nvSpPr>
-          <p:cNvPr id="6" name="Segnaposto numero diapositiva 5">
-            <a:extLst>
-              <a:ext uri="{FF2B5EF4-FFF2-40B4-BE49-F238E27FC236}">
-                <a16:creationId xmlns:a16="http://schemas.microsoft.com/office/drawing/2014/main" id="{3F7F02FF-9A72-4A5E-8EB1-7321F2D91322}"/>
-              </a:ext>
-            </a:extLst>
-          </p:cNvPr>
-          <p:cNvSpPr>
-            <a:spLocks noGrp="1"/>
-          </p:cNvSpPr>
-          <p:nvPr>
-            <p:ph type="sldNum" sz="quarter" idx="12"/>
-          </p:nvPr>
-        </p:nvSpPr>
-        <p:spPr>
-          <a:xfrm>
-            <a:off x="11734800" y="6633567"/>
-            <a:ext cx="457200" cy="232172"/>
+            <a:off x="11496675" y="6410324"/>
+            <a:ext cx="452437" cy="377826"/>
           </a:xfrm>
         </p:spPr>
         <p:txBody>
           <a:bodyPr/>
           <a:lstStyle>
             <a:lvl1pPr>
-              <a:defRPr sz="1400">
+              <a:defRPr sz="1600">
                 <a:solidFill>
-                  <a:schemeClr val="bg1"/>
+                  <a:schemeClr val="accent2">
+                    <a:lumMod val="75000"/>
+                  </a:schemeClr>
                 </a:solidFill>
               </a:defRPr>
             </a:lvl1pPr>
@@ -1725,9 +1686,9 @@
           <a:p>
             <a:fld id="{65EF4D56-C8F2-4A57-8E8C-72E888F130BC}" type="datetimeFigureOut">
               <a:rPr lang="en-GB" smtClean="0"/>
-              <a:t>07/07/2020</a:t>
+              <a:t>08/07/2020</a:t>
             </a:fld>
-            <a:endParaRPr lang="en-GB"/>
+            <a:endParaRPr lang="en-GB" dirty="0"/>
           </a:p>
         </p:txBody>
       </p:sp>
@@ -1752,7 +1713,7 @@
           <a:bodyPr/>
           <a:lstStyle/>
           <a:p>
-            <a:endParaRPr lang="en-GB"/>
+            <a:endParaRPr lang="en-GB" dirty="0"/>
           </a:p>
         </p:txBody>
       </p:sp>
@@ -1781,7 +1742,7 @@
               <a:rPr lang="en-GB" smtClean="0"/>
               <a:t>‹N›</a:t>
             </a:fld>
-            <a:endParaRPr lang="en-GB"/>
+            <a:endParaRPr lang="en-GB" dirty="0"/>
           </a:p>
         </p:txBody>
       </p:sp>
@@ -1993,7 +1954,7 @@
           <a:p>
             <a:fld id="{65EF4D56-C8F2-4A57-8E8C-72E888F130BC}" type="datetimeFigureOut">
               <a:rPr lang="en-GB" smtClean="0"/>
-              <a:t>07/07/2020</a:t>
+              <a:t>08/07/2020</a:t>
             </a:fld>
             <a:endParaRPr lang="en-GB"/>
           </a:p>
@@ -2408,7 +2369,7 @@
           <a:p>
             <a:fld id="{65EF4D56-C8F2-4A57-8E8C-72E888F130BC}" type="datetimeFigureOut">
               <a:rPr lang="en-GB" smtClean="0"/>
-              <a:t>07/07/2020</a:t>
+              <a:t>08/07/2020</a:t>
             </a:fld>
             <a:endParaRPr lang="en-GB"/>
           </a:p>
@@ -2550,7 +2511,7 @@
           <a:p>
             <a:fld id="{65EF4D56-C8F2-4A57-8E8C-72E888F130BC}" type="datetimeFigureOut">
               <a:rPr lang="en-GB" smtClean="0"/>
-              <a:t>07/07/2020</a:t>
+              <a:t>08/07/2020</a:t>
             </a:fld>
             <a:endParaRPr lang="en-GB"/>
           </a:p>
@@ -2663,7 +2624,7 @@
           <a:p>
             <a:fld id="{65EF4D56-C8F2-4A57-8E8C-72E888F130BC}" type="datetimeFigureOut">
               <a:rPr lang="en-GB" smtClean="0"/>
-              <a:t>07/07/2020</a:t>
+              <a:t>08/07/2020</a:t>
             </a:fld>
             <a:endParaRPr lang="en-GB"/>
           </a:p>
@@ -2976,7 +2937,7 @@
           <a:p>
             <a:fld id="{65EF4D56-C8F2-4A57-8E8C-72E888F130BC}" type="datetimeFigureOut">
               <a:rPr lang="en-GB" smtClean="0"/>
-              <a:t>07/07/2020</a:t>
+              <a:t>08/07/2020</a:t>
             </a:fld>
             <a:endParaRPr lang="en-GB"/>
           </a:p>
@@ -3265,7 +3226,7 @@
           <a:p>
             <a:fld id="{65EF4D56-C8F2-4A57-8E8C-72E888F130BC}" type="datetimeFigureOut">
               <a:rPr lang="en-GB" smtClean="0"/>
-              <a:t>07/07/2020</a:t>
+              <a:t>08/07/2020</a:t>
             </a:fld>
             <a:endParaRPr lang="en-GB"/>
           </a:p>
@@ -3508,7 +3469,7 @@
           <a:p>
             <a:fld id="{65EF4D56-C8F2-4A57-8E8C-72E888F130BC}" type="datetimeFigureOut">
               <a:rPr lang="en-GB" smtClean="0"/>
-              <a:t>07/07/2020</a:t>
+              <a:t>08/07/2020</a:t>
             </a:fld>
             <a:endParaRPr lang="en-GB"/>
           </a:p>
@@ -4003,6 +3964,464 @@
 </p:sld>
 </file>
 
+<file path=ppt/slides/slide10.xml><?xml version="1.0" encoding="utf-8"?>
+<p:sld xmlns:a="http://schemas.openxmlformats.org/drawingml/2006/main" xmlns:r="http://schemas.openxmlformats.org/officeDocument/2006/relationships" xmlns:p="http://schemas.openxmlformats.org/presentationml/2006/main">
+  <p:cSld>
+    <p:spTree>
+      <p:nvGrpSpPr>
+        <p:cNvPr id="1" name=""/>
+        <p:cNvGrpSpPr/>
+        <p:nvPr/>
+      </p:nvGrpSpPr>
+      <p:grpSpPr>
+        <a:xfrm>
+          <a:off x="0" y="0"/>
+          <a:ext cx="0" cy="0"/>
+          <a:chOff x="0" y="0"/>
+          <a:chExt cx="0" cy="0"/>
+        </a:xfrm>
+      </p:grpSpPr>
+      <p:sp>
+        <p:nvSpPr>
+          <p:cNvPr id="2" name="Titolo 1">
+            <a:extLst>
+              <a:ext uri="{FF2B5EF4-FFF2-40B4-BE49-F238E27FC236}">
+                <a16:creationId xmlns:a16="http://schemas.microsoft.com/office/drawing/2014/main" id="{1D151696-17F2-4DDE-9C14-7158B4F9ACCA}"/>
+              </a:ext>
+            </a:extLst>
+          </p:cNvPr>
+          <p:cNvSpPr>
+            <a:spLocks noGrp="1"/>
+          </p:cNvSpPr>
+          <p:nvPr>
+            <p:ph type="title"/>
+          </p:nvPr>
+        </p:nvSpPr>
+        <p:spPr/>
+        <p:txBody>
+          <a:bodyPr/>
+          <a:lstStyle/>
+          <a:p>
+            <a:r>
+              <a:rPr lang="en-GB" dirty="0"/>
+              <a:t>Joint positions plots</a:t>
+            </a:r>
+          </a:p>
+        </p:txBody>
+      </p:sp>
+      <p:sp>
+        <p:nvSpPr>
+          <p:cNvPr id="3" name="Segnaposto contenuto 2">
+            <a:extLst>
+              <a:ext uri="{FF2B5EF4-FFF2-40B4-BE49-F238E27FC236}">
+                <a16:creationId xmlns:a16="http://schemas.microsoft.com/office/drawing/2014/main" id="{066CF947-8268-4EE5-83BA-E2174C72125D}"/>
+              </a:ext>
+            </a:extLst>
+          </p:cNvPr>
+          <p:cNvSpPr>
+            <a:spLocks noGrp="1"/>
+          </p:cNvSpPr>
+          <p:nvPr>
+            <p:ph idx="1"/>
+          </p:nvPr>
+        </p:nvSpPr>
+        <p:spPr>
+          <a:xfrm>
+            <a:off x="476251" y="1281095"/>
+            <a:ext cx="9294473" cy="670996"/>
+          </a:xfrm>
+        </p:spPr>
+        <p:txBody>
+          <a:bodyPr/>
+          <a:lstStyle/>
+          <a:p>
+            <a:pPr marL="0" indent="0">
+              <a:buNone/>
+            </a:pPr>
+            <a:r>
+              <a:rPr lang="en-GB" dirty="0"/>
+              <a:t>The joints coordinates’ evolution during time can be visualized</a:t>
+            </a:r>
+          </a:p>
+        </p:txBody>
+      </p:sp>
+      <p:pic>
+        <p:nvPicPr>
+          <p:cNvPr id="5" name="Immagine 4">
+            <a:extLst>
+              <a:ext uri="{FF2B5EF4-FFF2-40B4-BE49-F238E27FC236}">
+                <a16:creationId xmlns:a16="http://schemas.microsoft.com/office/drawing/2014/main" id="{B33B11F0-E02D-4AF1-BB4F-DC720B473DA8}"/>
+              </a:ext>
+            </a:extLst>
+          </p:cNvPr>
+          <p:cNvPicPr>
+            <a:picLocks noChangeAspect="1"/>
+          </p:cNvPicPr>
+          <p:nvPr/>
+        </p:nvPicPr>
+        <p:blipFill>
+          <a:blip r:embed="rId2"/>
+          <a:stretch>
+            <a:fillRect/>
+          </a:stretch>
+        </p:blipFill>
+        <p:spPr>
+          <a:xfrm>
+            <a:off x="9368532" y="3055437"/>
+            <a:ext cx="2823468" cy="2117601"/>
+          </a:xfrm>
+          <a:prstGeom prst="rect">
+            <a:avLst/>
+          </a:prstGeom>
+        </p:spPr>
+      </p:pic>
+      <p:pic>
+        <p:nvPicPr>
+          <p:cNvPr id="6" name="Immagine 5">
+            <a:extLst>
+              <a:ext uri="{FF2B5EF4-FFF2-40B4-BE49-F238E27FC236}">
+                <a16:creationId xmlns:a16="http://schemas.microsoft.com/office/drawing/2014/main" id="{CBA6178D-AF92-4772-B000-75EE5C496D48}"/>
+              </a:ext>
+            </a:extLst>
+          </p:cNvPr>
+          <p:cNvPicPr>
+            <a:picLocks noChangeAspect="1"/>
+          </p:cNvPicPr>
+          <p:nvPr/>
+        </p:nvPicPr>
+        <p:blipFill>
+          <a:blip r:embed="rId3"/>
+          <a:stretch>
+            <a:fillRect/>
+          </a:stretch>
+        </p:blipFill>
+        <p:spPr>
+          <a:xfrm>
+            <a:off x="6473144" y="4319158"/>
+            <a:ext cx="2823468" cy="2117601"/>
+          </a:xfrm>
+          <a:prstGeom prst="rect">
+            <a:avLst/>
+          </a:prstGeom>
+        </p:spPr>
+      </p:pic>
+      <p:pic>
+        <p:nvPicPr>
+          <p:cNvPr id="7" name="Immagine 6">
+            <a:extLst>
+              <a:ext uri="{FF2B5EF4-FFF2-40B4-BE49-F238E27FC236}">
+                <a16:creationId xmlns:a16="http://schemas.microsoft.com/office/drawing/2014/main" id="{216F3FAD-0C4F-4B61-9AE0-8FE16DCE6844}"/>
+              </a:ext>
+            </a:extLst>
+          </p:cNvPr>
+          <p:cNvPicPr>
+            <a:picLocks noChangeAspect="1"/>
+          </p:cNvPicPr>
+          <p:nvPr/>
+        </p:nvPicPr>
+        <p:blipFill>
+          <a:blip r:embed="rId4"/>
+          <a:stretch>
+            <a:fillRect/>
+          </a:stretch>
+        </p:blipFill>
+        <p:spPr>
+          <a:xfrm>
+            <a:off x="3373988" y="4319156"/>
+            <a:ext cx="2823468" cy="2117601"/>
+          </a:xfrm>
+          <a:prstGeom prst="rect">
+            <a:avLst/>
+          </a:prstGeom>
+        </p:spPr>
+      </p:pic>
+      <p:pic>
+        <p:nvPicPr>
+          <p:cNvPr id="8" name="Immagine 7">
+            <a:extLst>
+              <a:ext uri="{FF2B5EF4-FFF2-40B4-BE49-F238E27FC236}">
+                <a16:creationId xmlns:a16="http://schemas.microsoft.com/office/drawing/2014/main" id="{C07A9815-C822-44A6-9A64-67741FCAA336}"/>
+              </a:ext>
+            </a:extLst>
+          </p:cNvPr>
+          <p:cNvPicPr>
+            <a:picLocks noChangeAspect="1"/>
+          </p:cNvPicPr>
+          <p:nvPr/>
+        </p:nvPicPr>
+        <p:blipFill>
+          <a:blip r:embed="rId5"/>
+          <a:stretch>
+            <a:fillRect/>
+          </a:stretch>
+        </p:blipFill>
+        <p:spPr>
+          <a:xfrm>
+            <a:off x="274833" y="4319157"/>
+            <a:ext cx="2823468" cy="2117601"/>
+          </a:xfrm>
+          <a:prstGeom prst="rect">
+            <a:avLst/>
+          </a:prstGeom>
+        </p:spPr>
+      </p:pic>
+      <p:pic>
+        <p:nvPicPr>
+          <p:cNvPr id="9" name="Immagine 8">
+            <a:extLst>
+              <a:ext uri="{FF2B5EF4-FFF2-40B4-BE49-F238E27FC236}">
+                <a16:creationId xmlns:a16="http://schemas.microsoft.com/office/drawing/2014/main" id="{8DC3A9D4-B176-4AFD-9937-972CF9BC8B46}"/>
+              </a:ext>
+            </a:extLst>
+          </p:cNvPr>
+          <p:cNvPicPr>
+            <a:picLocks noChangeAspect="1"/>
+          </p:cNvPicPr>
+          <p:nvPr/>
+        </p:nvPicPr>
+        <p:blipFill>
+          <a:blip r:embed="rId6"/>
+          <a:stretch>
+            <a:fillRect/>
+          </a:stretch>
+        </p:blipFill>
+        <p:spPr>
+          <a:xfrm>
+            <a:off x="6473144" y="1952091"/>
+            <a:ext cx="2823468" cy="2117601"/>
+          </a:xfrm>
+          <a:prstGeom prst="rect">
+            <a:avLst/>
+          </a:prstGeom>
+        </p:spPr>
+      </p:pic>
+      <p:pic>
+        <p:nvPicPr>
+          <p:cNvPr id="10" name="Immagine 9">
+            <a:extLst>
+              <a:ext uri="{FF2B5EF4-FFF2-40B4-BE49-F238E27FC236}">
+                <a16:creationId xmlns:a16="http://schemas.microsoft.com/office/drawing/2014/main" id="{754DF8E2-CB64-4692-AC67-EA62746A76B0}"/>
+              </a:ext>
+            </a:extLst>
+          </p:cNvPr>
+          <p:cNvPicPr>
+            <a:picLocks noChangeAspect="1"/>
+          </p:cNvPicPr>
+          <p:nvPr/>
+        </p:nvPicPr>
+        <p:blipFill>
+          <a:blip r:embed="rId7"/>
+          <a:stretch>
+            <a:fillRect/>
+          </a:stretch>
+        </p:blipFill>
+        <p:spPr>
+          <a:xfrm>
+            <a:off x="3373988" y="1952091"/>
+            <a:ext cx="2823468" cy="2117601"/>
+          </a:xfrm>
+          <a:prstGeom prst="rect">
+            <a:avLst/>
+          </a:prstGeom>
+        </p:spPr>
+      </p:pic>
+      <p:pic>
+        <p:nvPicPr>
+          <p:cNvPr id="11" name="Immagine 10">
+            <a:extLst>
+              <a:ext uri="{FF2B5EF4-FFF2-40B4-BE49-F238E27FC236}">
+                <a16:creationId xmlns:a16="http://schemas.microsoft.com/office/drawing/2014/main" id="{322A8B28-619A-4534-823B-C1CAEB90C053}"/>
+              </a:ext>
+            </a:extLst>
+          </p:cNvPr>
+          <p:cNvPicPr>
+            <a:picLocks noChangeAspect="1"/>
+          </p:cNvPicPr>
+          <p:nvPr/>
+        </p:nvPicPr>
+        <p:blipFill>
+          <a:blip r:embed="rId8"/>
+          <a:stretch>
+            <a:fillRect/>
+          </a:stretch>
+        </p:blipFill>
+        <p:spPr>
+          <a:xfrm>
+            <a:off x="274832" y="1952091"/>
+            <a:ext cx="2823468" cy="2117601"/>
+          </a:xfrm>
+          <a:prstGeom prst="rect">
+            <a:avLst/>
+          </a:prstGeom>
+        </p:spPr>
+      </p:pic>
+    </p:spTree>
+    <p:extLst>
+      <p:ext uri="{BB962C8B-B14F-4D97-AF65-F5344CB8AC3E}">
+        <p14:creationId xmlns:p14="http://schemas.microsoft.com/office/powerpoint/2010/main" val="1325781782"/>
+      </p:ext>
+    </p:extLst>
+  </p:cSld>
+  <p:clrMapOvr>
+    <a:masterClrMapping/>
+  </p:clrMapOvr>
+</p:sld>
+</file>
+
+<file path=ppt/slides/slide11.xml><?xml version="1.0" encoding="utf-8"?>
+<p:sld xmlns:a="http://schemas.openxmlformats.org/drawingml/2006/main" xmlns:r="http://schemas.openxmlformats.org/officeDocument/2006/relationships" xmlns:p="http://schemas.openxmlformats.org/presentationml/2006/main">
+  <p:cSld>
+    <p:spTree>
+      <p:nvGrpSpPr>
+        <p:cNvPr id="1" name=""/>
+        <p:cNvGrpSpPr/>
+        <p:nvPr/>
+      </p:nvGrpSpPr>
+      <p:grpSpPr>
+        <a:xfrm>
+          <a:off x="0" y="0"/>
+          <a:ext cx="0" cy="0"/>
+          <a:chOff x="0" y="0"/>
+          <a:chExt cx="0" cy="0"/>
+        </a:xfrm>
+      </p:grpSpPr>
+      <p:sp>
+        <p:nvSpPr>
+          <p:cNvPr id="2" name="Titolo 1">
+            <a:extLst>
+              <a:ext uri="{FF2B5EF4-FFF2-40B4-BE49-F238E27FC236}">
+                <a16:creationId xmlns:a16="http://schemas.microsoft.com/office/drawing/2014/main" id="{CF994A09-C1AF-426C-A81E-2CF2CB942406}"/>
+              </a:ext>
+            </a:extLst>
+          </p:cNvPr>
+          <p:cNvSpPr>
+            <a:spLocks noGrp="1"/>
+          </p:cNvSpPr>
+          <p:nvPr>
+            <p:ph type="title"/>
+          </p:nvPr>
+        </p:nvSpPr>
+        <p:spPr/>
+        <p:txBody>
+          <a:bodyPr/>
+          <a:lstStyle/>
+          <a:p>
+            <a:r>
+              <a:rPr lang="en-GB" dirty="0"/>
+              <a:t>Robot animation</a:t>
+            </a:r>
+          </a:p>
+        </p:txBody>
+      </p:sp>
+      <p:sp>
+        <p:nvSpPr>
+          <p:cNvPr id="3" name="Segnaposto contenuto 2">
+            <a:extLst>
+              <a:ext uri="{FF2B5EF4-FFF2-40B4-BE49-F238E27FC236}">
+                <a16:creationId xmlns:a16="http://schemas.microsoft.com/office/drawing/2014/main" id="{9F48C44E-BAAF-4EF7-89E4-A95E965A2B59}"/>
+              </a:ext>
+            </a:extLst>
+          </p:cNvPr>
+          <p:cNvSpPr>
+            <a:spLocks noGrp="1"/>
+          </p:cNvSpPr>
+          <p:nvPr>
+            <p:ph idx="1"/>
+          </p:nvPr>
+        </p:nvSpPr>
+        <p:spPr>
+          <a:xfrm>
+            <a:off x="258245" y="1301642"/>
+            <a:ext cx="11675509" cy="527158"/>
+          </a:xfrm>
+        </p:spPr>
+        <p:txBody>
+          <a:bodyPr>
+            <a:normAutofit/>
+          </a:bodyPr>
+          <a:lstStyle/>
+          <a:p>
+            <a:pPr marL="0" indent="0">
+              <a:buNone/>
+            </a:pPr>
+            <a:r>
+              <a:rPr lang="en-GB" dirty="0"/>
+              <a:t>The animation can be visualized also with the manipulability ellipsoid</a:t>
+            </a:r>
+          </a:p>
+        </p:txBody>
+      </p:sp>
+      <p:pic>
+        <p:nvPicPr>
+          <p:cNvPr id="5" name="Immagine 4">
+            <a:extLst>
+              <a:ext uri="{FF2B5EF4-FFF2-40B4-BE49-F238E27FC236}">
+                <a16:creationId xmlns:a16="http://schemas.microsoft.com/office/drawing/2014/main" id="{1723873F-44CC-46A3-9DC9-5BCC6311754E}"/>
+              </a:ext>
+            </a:extLst>
+          </p:cNvPr>
+          <p:cNvPicPr>
+            <a:picLocks noChangeAspect="1"/>
+          </p:cNvPicPr>
+          <p:nvPr/>
+        </p:nvPicPr>
+        <p:blipFill rotWithShape="1">
+          <a:blip r:embed="rId2"/>
+          <a:srcRect l="47014" t="41745" r="42895" b="27629"/>
+          <a:stretch/>
+        </p:blipFill>
+        <p:spPr>
+          <a:xfrm>
+            <a:off x="1982910" y="2229839"/>
+            <a:ext cx="2845943" cy="4089062"/>
+          </a:xfrm>
+          <a:prstGeom prst="rect">
+            <a:avLst/>
+          </a:prstGeom>
+        </p:spPr>
+      </p:pic>
+      <p:pic>
+        <p:nvPicPr>
+          <p:cNvPr id="6" name="Immagine 5">
+            <a:extLst>
+              <a:ext uri="{FF2B5EF4-FFF2-40B4-BE49-F238E27FC236}">
+                <a16:creationId xmlns:a16="http://schemas.microsoft.com/office/drawing/2014/main" id="{8674B796-F6A6-4547-8ECA-F0420C549A98}"/>
+              </a:ext>
+            </a:extLst>
+          </p:cNvPr>
+          <p:cNvPicPr>
+            <a:picLocks noChangeAspect="1"/>
+          </p:cNvPicPr>
+          <p:nvPr/>
+        </p:nvPicPr>
+        <p:blipFill rotWithShape="1">
+          <a:blip r:embed="rId3"/>
+          <a:srcRect l="46465" t="41141" r="42848" b="25614"/>
+          <a:stretch/>
+        </p:blipFill>
+        <p:spPr>
+          <a:xfrm>
+            <a:off x="7342752" y="2229839"/>
+            <a:ext cx="2744836" cy="4042398"/>
+          </a:xfrm>
+          <a:prstGeom prst="rect">
+            <a:avLst/>
+          </a:prstGeom>
+        </p:spPr>
+      </p:pic>
+    </p:spTree>
+    <p:extLst>
+      <p:ext uri="{BB962C8B-B14F-4D97-AF65-F5344CB8AC3E}">
+        <p14:creationId xmlns:p14="http://schemas.microsoft.com/office/powerpoint/2010/main" val="773519867"/>
+      </p:ext>
+    </p:extLst>
+  </p:cSld>
+  <p:clrMapOvr>
+    <a:masterClrMapping/>
+  </p:clrMapOvr>
+</p:sld>
+</file>
+
 <file path=ppt/slides/slide2.xml><?xml version="1.0" encoding="utf-8"?>
 <p:sld xmlns:a="http://schemas.openxmlformats.org/drawingml/2006/main" xmlns:r="http://schemas.openxmlformats.org/officeDocument/2006/relationships" xmlns:p="http://schemas.openxmlformats.org/presentationml/2006/main">
   <p:cSld>
@@ -4104,15 +4523,7 @@
             </a:pPr>
             <a:r>
               <a:rPr lang="en-GB" sz="3200" dirty="0"/>
-              <a:t>The robot has 3 </a:t>
-            </a:r>
-            <a:r>
-              <a:rPr lang="en-GB" sz="3200" dirty="0" err="1"/>
-              <a:t>rotoidal</a:t>
-            </a:r>
-            <a:r>
-              <a:rPr lang="en-GB" sz="3200" dirty="0"/>
-              <a:t> joints and 2 spherical joints</a:t>
+              <a:t>The robot has 3 revolute joints and 2 spherical joints</a:t>
             </a:r>
           </a:p>
           <a:p>
@@ -4265,7 +4676,7 @@
             <p:ph idx="1"/>
             <p:extLst>
               <p:ext uri="{D42A27DB-BD31-4B8C-83A1-F6EECF244321}">
-                <p14:modId xmlns:p14="http://schemas.microsoft.com/office/powerpoint/2010/main" val="613115570"/>
+                <p14:modId xmlns:p14="http://schemas.microsoft.com/office/powerpoint/2010/main" val="3852488821"/>
               </p:ext>
             </p:extLst>
           </p:nvPr>
@@ -4527,7 +4938,7 @@
                         <a:defRPr/>
                       </a:pPr>
                       <a:r>
-                        <a:rPr lang="el-GR" sz="2000" kern="1200" dirty="0">
+                        <a:rPr lang="it-IT" sz="2000" kern="1200" dirty="0">
                           <a:solidFill>
                             <a:schemeClr val="dk1"/>
                           </a:solidFill>
@@ -4535,7 +4946,7 @@
                           <a:ea typeface="+mn-ea"/>
                           <a:cs typeface="+mn-cs"/>
                         </a:rPr>
-                        <a:t>ϑ</a:t>
+                        <a:t>q</a:t>
                       </a:r>
                       <a:r>
                         <a:rPr lang="it-IT" sz="2000" kern="1200" baseline="-25000" dirty="0">
@@ -4632,7 +5043,7 @@
                         <a:defRPr/>
                       </a:pPr>
                       <a:r>
-                        <a:rPr lang="el-GR" sz="2000" kern="1200" dirty="0">
+                        <a:rPr lang="it-IT" sz="2000" kern="1200" dirty="0">
                           <a:solidFill>
                             <a:schemeClr val="dk1"/>
                           </a:solidFill>
@@ -4640,7 +5051,7 @@
                           <a:ea typeface="+mn-ea"/>
                           <a:cs typeface="+mn-cs"/>
                         </a:rPr>
-                        <a:t>ϑ</a:t>
+                        <a:t>q</a:t>
                       </a:r>
                       <a:r>
                         <a:rPr lang="it-IT" sz="2000" kern="1200" baseline="-25000" dirty="0">
@@ -4779,7 +5190,7 @@
                         <a:defRPr/>
                       </a:pPr>
                       <a:r>
-                        <a:rPr lang="el-GR" sz="2000" kern="1200" dirty="0">
+                        <a:rPr lang="it-IT" sz="2000" kern="1200" dirty="0">
                           <a:solidFill>
                             <a:schemeClr val="dk1"/>
                           </a:solidFill>
@@ -4787,7 +5198,7 @@
                           <a:ea typeface="+mn-ea"/>
                           <a:cs typeface="+mn-cs"/>
                         </a:rPr>
-                        <a:t>ϑ</a:t>
+                        <a:t>q</a:t>
                       </a:r>
                       <a:r>
                         <a:rPr lang="it-IT" sz="2000" kern="1200" baseline="-25000" dirty="0">
@@ -4926,7 +5337,7 @@
                         <a:defRPr/>
                       </a:pPr>
                       <a:r>
-                        <a:rPr lang="el-GR" sz="2000" kern="1200" dirty="0">
+                        <a:rPr lang="it-IT" sz="2000" kern="1200" dirty="0">
                           <a:solidFill>
                             <a:schemeClr val="dk1"/>
                           </a:solidFill>
@@ -4934,7 +5345,7 @@
                           <a:ea typeface="+mn-ea"/>
                           <a:cs typeface="+mn-cs"/>
                         </a:rPr>
-                        <a:t>ϑ</a:t>
+                        <a:t>q</a:t>
                       </a:r>
                       <a:r>
                         <a:rPr lang="it-IT" sz="2000" kern="1200" baseline="-25000" dirty="0">
@@ -5073,7 +5484,7 @@
                         <a:defRPr/>
                       </a:pPr>
                       <a:r>
-                        <a:rPr lang="el-GR" sz="2000" kern="1200" dirty="0">
+                        <a:rPr lang="it-IT" sz="2000" kern="1200" dirty="0">
                           <a:solidFill>
                             <a:schemeClr val="dk1"/>
                           </a:solidFill>
@@ -5081,7 +5492,7 @@
                           <a:ea typeface="+mn-ea"/>
                           <a:cs typeface="+mn-cs"/>
                         </a:rPr>
-                        <a:t>ϑ</a:t>
+                        <a:t>q</a:t>
                       </a:r>
                       <a:r>
                         <a:rPr lang="it-IT" sz="2000" kern="1200" baseline="-25000" dirty="0">
@@ -5220,7 +5631,7 @@
                         <a:defRPr/>
                       </a:pPr>
                       <a:r>
-                        <a:rPr lang="el-GR" sz="2000" kern="1200" dirty="0">
+                        <a:rPr lang="it-IT" sz="2000" kern="1200" dirty="0">
                           <a:solidFill>
                             <a:schemeClr val="dk1"/>
                           </a:solidFill>
@@ -5228,7 +5639,7 @@
                           <a:ea typeface="+mn-ea"/>
                           <a:cs typeface="+mn-cs"/>
                         </a:rPr>
-                        <a:t>ϑ</a:t>
+                        <a:t>q</a:t>
                       </a:r>
                       <a:r>
                         <a:rPr lang="it-IT" sz="2000" kern="1200" baseline="-25000" dirty="0">
@@ -5325,7 +5736,7 @@
                         <a:defRPr/>
                       </a:pPr>
                       <a:r>
-                        <a:rPr lang="el-GR" sz="2000" kern="1200" dirty="0">
+                        <a:rPr lang="it-IT" sz="2000" kern="1200" dirty="0">
                           <a:solidFill>
                             <a:schemeClr val="dk1"/>
                           </a:solidFill>
@@ -5333,7 +5744,7 @@
                           <a:ea typeface="+mn-ea"/>
                           <a:cs typeface="+mn-cs"/>
                         </a:rPr>
-                        <a:t>ϑ</a:t>
+                        <a:t>q</a:t>
                       </a:r>
                       <a:r>
                         <a:rPr lang="it-IT" sz="2000" kern="1200" baseline="-25000" dirty="0">
@@ -5822,7 +6233,7 @@
         <p:spPr>
           <a:xfrm>
             <a:off x="6795297" y="1492124"/>
-            <a:ext cx="4509992" cy="4323049"/>
+            <a:ext cx="4788672" cy="4590177"/>
           </a:xfrm>
           <a:prstGeom prst="rect">
             <a:avLst/>
@@ -5887,8 +6298,8 @@
           </a:p>
         </p:txBody>
       </p:sp>
-      <mc:AlternateContent xmlns:mc="http://schemas.openxmlformats.org/markup-compatibility/2006">
-        <mc:Choice xmlns:a14="http://schemas.microsoft.com/office/drawing/2010/main" Requires="a14">
+      <mc:AlternateContent xmlns:mc="http://schemas.openxmlformats.org/markup-compatibility/2006" xmlns:a14="http://schemas.microsoft.com/office/drawing/2010/main">
+        <mc:Choice Requires="a14">
           <p:sp>
             <p:nvSpPr>
               <p:cNvPr id="3" name="Segnaposto contenuto 2">
@@ -6117,7 +6528,7 @@
             </p:txBody>
           </p:sp>
         </mc:Choice>
-        <mc:Fallback>
+        <mc:Fallback xmlns="">
           <p:sp>
             <p:nvSpPr>
               <p:cNvPr id="3" name="Segnaposto contenuto 2">
@@ -6239,7 +6650,7 @@
             </p:nvSpPr>
             <p:spPr>
               <a:xfrm>
-                <a:off x="263062" y="1366462"/>
+                <a:off x="263062" y="1407558"/>
                 <a:ext cx="11274818" cy="5219272"/>
               </a:xfrm>
             </p:spPr>
@@ -6286,7 +6697,9 @@
                     </m:oMathParaPr>
                     <m:oMath xmlns:m="http://schemas.openxmlformats.org/officeDocument/2006/math">
                       <m:r>
-                        <a:rPr lang="en-GB" i="1" smtClean="0"/>
+                        <a:rPr lang="en-GB" i="1" smtClean="0">
+                          <a:latin typeface="Cambria Math" panose="02040503050406030204" pitchFamily="18" charset="0"/>
+                        </a:rPr>
                         <m:t>𝑑</m:t>
                       </m:r>
                       <m:r>
@@ -6296,7 +6709,9 @@
                         <m:t>𝑣</m:t>
                       </m:r>
                       <m:r>
-                        <a:rPr lang="en-GB" i="1" smtClean="0"/>
+                        <a:rPr lang="en-GB" i="1" smtClean="0">
+                          <a:latin typeface="Cambria Math" panose="02040503050406030204" pitchFamily="18" charset="0"/>
+                        </a:rPr>
                         <m:t> = </m:t>
                       </m:r>
                       <m:f>
@@ -6524,7 +6939,7 @@
             </p:nvSpPr>
             <p:spPr>
               <a:xfrm>
-                <a:off x="263062" y="1366462"/>
+                <a:off x="263062" y="1407558"/>
                 <a:ext cx="11274818" cy="5219272"/>
               </a:xfrm>
               <a:blipFill>
@@ -6627,7 +7042,7 @@
             </p:nvSpPr>
             <p:spPr>
               <a:xfrm>
-                <a:off x="263062" y="1654136"/>
+                <a:off x="263062" y="1726054"/>
                 <a:ext cx="11624138" cy="4643920"/>
               </a:xfrm>
             </p:spPr>
@@ -7025,7 +7440,7 @@
             </p:nvSpPr>
             <p:spPr>
               <a:xfrm>
-                <a:off x="263062" y="1654136"/>
+                <a:off x="263062" y="1726054"/>
                 <a:ext cx="11624138" cy="4643920"/>
               </a:xfrm>
               <a:blipFill>
@@ -7108,8 +7523,8 @@
           </a:p>
         </p:txBody>
       </p:sp>
-      <mc:AlternateContent xmlns:mc="http://schemas.openxmlformats.org/markup-compatibility/2006">
-        <mc:Choice xmlns:a14="http://schemas.microsoft.com/office/drawing/2010/main" Requires="a14">
+      <mc:AlternateContent xmlns:mc="http://schemas.openxmlformats.org/markup-compatibility/2006" xmlns:a14="http://schemas.microsoft.com/office/drawing/2010/main">
+        <mc:Choice Requires="a14">
           <p:sp>
             <p:nvSpPr>
               <p:cNvPr id="3" name="Segnaposto contenuto 2">
@@ -7232,7 +7647,7 @@
             </p:txBody>
           </p:sp>
         </mc:Choice>
-        <mc:Fallback>
+        <mc:Fallback xmlns="">
           <p:sp>
             <p:nvSpPr>
               <p:cNvPr id="3" name="Segnaposto contenuto 2">
@@ -7299,7 +7714,7 @@
         <p:spPr>
           <a:xfrm>
             <a:off x="2400620" y="2508177"/>
-            <a:ext cx="7041329" cy="4096064"/>
+            <a:ext cx="7186915" cy="4180754"/>
           </a:xfrm>
           <a:prstGeom prst="rect">
             <a:avLst/>
@@ -7364,8 +7779,8 @@
           </a:p>
         </p:txBody>
       </p:sp>
-      <mc:AlternateContent xmlns:mc="http://schemas.openxmlformats.org/markup-compatibility/2006">
-        <mc:Choice xmlns:a14="http://schemas.microsoft.com/office/drawing/2010/main" Requires="a14">
+      <mc:AlternateContent xmlns:mc="http://schemas.openxmlformats.org/markup-compatibility/2006" xmlns:a14="http://schemas.microsoft.com/office/drawing/2010/main">
+        <mc:Choice Requires="a14">
           <p:sp>
             <p:nvSpPr>
               <p:cNvPr id="3" name="Segnaposto contenuto 2">
@@ -7488,7 +7903,7 @@
             </p:txBody>
           </p:sp>
         </mc:Choice>
-        <mc:Fallback>
+        <mc:Fallback xmlns="">
           <p:sp>
             <p:nvSpPr>
               <p:cNvPr id="3" name="Segnaposto contenuto 2">
@@ -7554,8 +7969,8 @@
         </p:blipFill>
         <p:spPr>
           <a:xfrm>
-            <a:off x="2053761" y="2345429"/>
-            <a:ext cx="7675866" cy="4264370"/>
+            <a:off x="2053761" y="2345428"/>
+            <a:ext cx="7965434" cy="4425241"/>
           </a:xfrm>
           <a:prstGeom prst="rect">
             <a:avLst/>

--- a/Project report.pptx
+++ b/Project report.pptx
@@ -5,7 +5,7 @@
     <p:sldMasterId id="2147483648" r:id="rId1"/>
   </p:sldMasterIdLst>
   <p:notesMasterIdLst>
-    <p:notesMasterId r:id="rId13"/>
+    <p:notesMasterId r:id="rId14"/>
   </p:notesMasterIdLst>
   <p:sldIdLst>
     <p:sldId id="256" r:id="rId2"/>
@@ -17,8 +17,9 @@
     <p:sldId id="262" r:id="rId8"/>
     <p:sldId id="263" r:id="rId9"/>
     <p:sldId id="264" r:id="rId10"/>
-    <p:sldId id="265" r:id="rId11"/>
-    <p:sldId id="266" r:id="rId12"/>
+    <p:sldId id="267" r:id="rId11"/>
+    <p:sldId id="265" r:id="rId12"/>
+    <p:sldId id="266" r:id="rId13"/>
   </p:sldIdLst>
   <p:sldSz cx="12192000" cy="6858000"/>
   <p:notesSz cx="6858000" cy="9144000"/>
@@ -210,7 +211,7 @@
           <a:p>
             <a:fld id="{BF54C7B1-CF05-4A65-9C67-C0268DA06BD2}" type="datetimeFigureOut">
               <a:rPr lang="en-GB" smtClean="0"/>
-              <a:t>08/07/2020</a:t>
+              <a:t>12/07/2020</a:t>
             </a:fld>
             <a:endParaRPr lang="en-GB"/>
           </a:p>
@@ -969,7 +970,7 @@
           <a:p>
             <a:fld id="{65EF4D56-C8F2-4A57-8E8C-72E888F130BC}" type="datetimeFigureOut">
               <a:rPr lang="en-GB" smtClean="0"/>
-              <a:t>08/07/2020</a:t>
+              <a:t>12/07/2020</a:t>
             </a:fld>
             <a:endParaRPr lang="en-GB"/>
           </a:p>
@@ -1179,7 +1180,7 @@
           <a:p>
             <a:fld id="{65EF4D56-C8F2-4A57-8E8C-72E888F130BC}" type="datetimeFigureOut">
               <a:rPr lang="en-GB" smtClean="0"/>
-              <a:t>08/07/2020</a:t>
+              <a:t>12/07/2020</a:t>
             </a:fld>
             <a:endParaRPr lang="en-GB"/>
           </a:p>
@@ -1686,7 +1687,7 @@
           <a:p>
             <a:fld id="{65EF4D56-C8F2-4A57-8E8C-72E888F130BC}" type="datetimeFigureOut">
               <a:rPr lang="en-GB" smtClean="0"/>
-              <a:t>08/07/2020</a:t>
+              <a:t>12/07/2020</a:t>
             </a:fld>
             <a:endParaRPr lang="en-GB" dirty="0"/>
           </a:p>
@@ -1954,7 +1955,7 @@
           <a:p>
             <a:fld id="{65EF4D56-C8F2-4A57-8E8C-72E888F130BC}" type="datetimeFigureOut">
               <a:rPr lang="en-GB" smtClean="0"/>
-              <a:t>08/07/2020</a:t>
+              <a:t>12/07/2020</a:t>
             </a:fld>
             <a:endParaRPr lang="en-GB"/>
           </a:p>
@@ -2369,7 +2370,7 @@
           <a:p>
             <a:fld id="{65EF4D56-C8F2-4A57-8E8C-72E888F130BC}" type="datetimeFigureOut">
               <a:rPr lang="en-GB" smtClean="0"/>
-              <a:t>08/07/2020</a:t>
+              <a:t>12/07/2020</a:t>
             </a:fld>
             <a:endParaRPr lang="en-GB"/>
           </a:p>
@@ -2511,7 +2512,7 @@
           <a:p>
             <a:fld id="{65EF4D56-C8F2-4A57-8E8C-72E888F130BC}" type="datetimeFigureOut">
               <a:rPr lang="en-GB" smtClean="0"/>
-              <a:t>08/07/2020</a:t>
+              <a:t>12/07/2020</a:t>
             </a:fld>
             <a:endParaRPr lang="en-GB"/>
           </a:p>
@@ -2624,7 +2625,7 @@
           <a:p>
             <a:fld id="{65EF4D56-C8F2-4A57-8E8C-72E888F130BC}" type="datetimeFigureOut">
               <a:rPr lang="en-GB" smtClean="0"/>
-              <a:t>08/07/2020</a:t>
+              <a:t>12/07/2020</a:t>
             </a:fld>
             <a:endParaRPr lang="en-GB"/>
           </a:p>
@@ -2937,7 +2938,7 @@
           <a:p>
             <a:fld id="{65EF4D56-C8F2-4A57-8E8C-72E888F130BC}" type="datetimeFigureOut">
               <a:rPr lang="en-GB" smtClean="0"/>
-              <a:t>08/07/2020</a:t>
+              <a:t>12/07/2020</a:t>
             </a:fld>
             <a:endParaRPr lang="en-GB"/>
           </a:p>
@@ -3226,7 +3227,7 @@
           <a:p>
             <a:fld id="{65EF4D56-C8F2-4A57-8E8C-72E888F130BC}" type="datetimeFigureOut">
               <a:rPr lang="en-GB" smtClean="0"/>
-              <a:t>08/07/2020</a:t>
+              <a:t>12/07/2020</a:t>
             </a:fld>
             <a:endParaRPr lang="en-GB"/>
           </a:p>
@@ -3469,7 +3470,7 @@
           <a:p>
             <a:fld id="{65EF4D56-C8F2-4A57-8E8C-72E888F130BC}" type="datetimeFigureOut">
               <a:rPr lang="en-GB" smtClean="0"/>
-              <a:t>08/07/2020</a:t>
+              <a:t>12/07/2020</a:t>
             </a:fld>
             <a:endParaRPr lang="en-GB"/>
           </a:p>
@@ -3986,6 +3987,262 @@
           <p:cNvPr id="2" name="Titolo 1">
             <a:extLst>
               <a:ext uri="{FF2B5EF4-FFF2-40B4-BE49-F238E27FC236}">
+                <a16:creationId xmlns:a16="http://schemas.microsoft.com/office/drawing/2014/main" id="{BFB7A5D0-DA95-4157-9164-836586F47823}"/>
+              </a:ext>
+            </a:extLst>
+          </p:cNvPr>
+          <p:cNvSpPr>
+            <a:spLocks noGrp="1"/>
+          </p:cNvSpPr>
+          <p:nvPr>
+            <p:ph type="title"/>
+          </p:nvPr>
+        </p:nvSpPr>
+        <p:spPr/>
+        <p:txBody>
+          <a:bodyPr/>
+          <a:lstStyle/>
+          <a:p>
+            <a:r>
+              <a:rPr lang="en-GB" dirty="0"/>
+              <a:t>Distance from limits optimization</a:t>
+            </a:r>
+          </a:p>
+        </p:txBody>
+      </p:sp>
+      <mc:AlternateContent xmlns:mc="http://schemas.openxmlformats.org/markup-compatibility/2006">
+        <mc:Choice xmlns:a14="http://schemas.microsoft.com/office/drawing/2010/main" Requires="a14">
+          <p:sp>
+            <p:nvSpPr>
+              <p:cNvPr id="3" name="Segnaposto contenuto 2">
+                <a:extLst>
+                  <a:ext uri="{FF2B5EF4-FFF2-40B4-BE49-F238E27FC236}">
+                    <a16:creationId xmlns:a16="http://schemas.microsoft.com/office/drawing/2014/main" id="{73EEA46E-BFC9-4EF6-8DAC-948FEFC65070}"/>
+                  </a:ext>
+                </a:extLst>
+              </p:cNvPr>
+              <p:cNvSpPr>
+                <a:spLocks noGrp="1"/>
+              </p:cNvSpPr>
+              <p:nvPr>
+                <p:ph idx="1"/>
+              </p:nvPr>
+            </p:nvSpPr>
+            <p:spPr>
+              <a:xfrm>
+                <a:off x="217256" y="1489749"/>
+                <a:ext cx="11624138" cy="4643920"/>
+              </a:xfrm>
+            </p:spPr>
+            <p:txBody>
+              <a:bodyPr>
+                <a:normAutofit/>
+              </a:bodyPr>
+              <a:lstStyle/>
+              <a:p>
+                <a:pPr lvl="1">
+                  <a:spcBef>
+                    <a:spcPts val="3600"/>
+                  </a:spcBef>
+                  <a:buClr>
+                    <a:schemeClr val="accent2">
+                      <a:lumMod val="75000"/>
+                    </a:schemeClr>
+                  </a:buClr>
+                </a:pPr>
+                <a:r>
+                  <a:rPr lang="it-IT" sz="3200" dirty="0"/>
+                  <a:t>The </a:t>
+                </a:r>
+                <a:r>
+                  <a:rPr lang="it-IT" sz="3200" dirty="0" err="1"/>
+                  <a:t>value</a:t>
+                </a:r>
+                <a:r>
+                  <a:rPr lang="it-IT" sz="3200" dirty="0"/>
+                  <a:t> of </a:t>
+                </a:r>
+                <a14:m>
+                  <m:oMath xmlns:m="http://schemas.openxmlformats.org/officeDocument/2006/math">
+                    <m:r>
+                      <a:rPr lang="it-IT" sz="2800" b="0" i="1" smtClean="0">
+                        <a:latin typeface="Cambria Math" panose="02040503050406030204" pitchFamily="18" charset="0"/>
+                      </a:rPr>
+                      <m:t>𝑑</m:t>
+                    </m:r>
+                    <m:acc>
+                      <m:accPr>
+                        <m:chr m:val="̇"/>
+                        <m:ctrlPr>
+                          <a:rPr lang="en-GB" sz="2800" i="1" smtClean="0">
+                            <a:latin typeface="Cambria Math" panose="02040503050406030204" pitchFamily="18" charset="0"/>
+                          </a:rPr>
+                        </m:ctrlPr>
+                      </m:accPr>
+                      <m:e>
+                        <m:sSub>
+                          <m:sSubPr>
+                            <m:ctrlPr>
+                              <a:rPr lang="it-IT" sz="2800" b="0" i="1" smtClean="0">
+                                <a:latin typeface="Cambria Math" panose="02040503050406030204" pitchFamily="18" charset="0"/>
+                              </a:rPr>
+                            </m:ctrlPr>
+                          </m:sSubPr>
+                          <m:e>
+                            <m:r>
+                              <a:rPr lang="it-IT" sz="2800" b="0" i="1" smtClean="0">
+                                <a:latin typeface="Cambria Math" panose="02040503050406030204" pitchFamily="18" charset="0"/>
+                              </a:rPr>
+                              <m:t>𝑞</m:t>
+                            </m:r>
+                          </m:e>
+                          <m:sub>
+                            <m:r>
+                              <a:rPr lang="it-IT" sz="2800" b="0" i="1" smtClean="0">
+                                <a:latin typeface="Cambria Math" panose="02040503050406030204" pitchFamily="18" charset="0"/>
+                              </a:rPr>
+                              <m:t>0</m:t>
+                            </m:r>
+                          </m:sub>
+                        </m:sSub>
+                      </m:e>
+                    </m:acc>
+                  </m:oMath>
+                </a14:m>
+                <a:r>
+                  <a:rPr lang="en-GB" sz="2800" dirty="0"/>
+                  <a:t> </a:t>
+                </a:r>
+                <a:r>
+                  <a:rPr lang="en-GB" sz="3200" dirty="0"/>
+                  <a:t>can be computed to maximize the distance of a joint from a specific point in space</a:t>
+                </a:r>
+              </a:p>
+              <a:p>
+                <a:pPr lvl="1">
+                  <a:spcBef>
+                    <a:spcPts val="3600"/>
+                  </a:spcBef>
+                  <a:buClr>
+                    <a:schemeClr val="accent2">
+                      <a:lumMod val="75000"/>
+                    </a:schemeClr>
+                  </a:buClr>
+                </a:pPr>
+                <a:endParaRPr lang="en-GB" sz="3200" dirty="0"/>
+              </a:p>
+            </p:txBody>
+          </p:sp>
+        </mc:Choice>
+        <mc:Fallback>
+          <p:sp>
+            <p:nvSpPr>
+              <p:cNvPr id="3" name="Segnaposto contenuto 2">
+                <a:extLst>
+                  <a:ext uri="{FF2B5EF4-FFF2-40B4-BE49-F238E27FC236}">
+                    <a16:creationId xmlns:a16="http://schemas.microsoft.com/office/drawing/2014/main" id="{73EEA46E-BFC9-4EF6-8DAC-948FEFC65070}"/>
+                  </a:ext>
+                </a:extLst>
+              </p:cNvPr>
+              <p:cNvSpPr>
+                <a:spLocks noGrp="1" noRot="1" noChangeAspect="1" noMove="1" noResize="1" noEditPoints="1" noAdjustHandles="1" noChangeArrowheads="1" noChangeShapeType="1" noTextEdit="1"/>
+              </p:cNvSpPr>
+              <p:nvPr>
+                <p:ph idx="1"/>
+              </p:nvPr>
+            </p:nvSpPr>
+            <p:spPr>
+              <a:xfrm>
+                <a:off x="217256" y="1489749"/>
+                <a:ext cx="11624138" cy="4643920"/>
+              </a:xfrm>
+              <a:blipFill>
+                <a:blip r:embed="rId2"/>
+                <a:stretch>
+                  <a:fillRect t="-2756" r="-315"/>
+                </a:stretch>
+              </a:blipFill>
+            </p:spPr>
+            <p:txBody>
+              <a:bodyPr/>
+              <a:lstStyle/>
+              <a:p>
+                <a:r>
+                  <a:rPr lang="en-GB">
+                    <a:noFill/>
+                  </a:rPr>
+                  <a:t> </a:t>
+                </a:r>
+              </a:p>
+            </p:txBody>
+          </p:sp>
+        </mc:Fallback>
+      </mc:AlternateContent>
+      <p:pic>
+        <p:nvPicPr>
+          <p:cNvPr id="7" name="Immagine 6">
+            <a:extLst>
+              <a:ext uri="{FF2B5EF4-FFF2-40B4-BE49-F238E27FC236}">
+                <a16:creationId xmlns:a16="http://schemas.microsoft.com/office/drawing/2014/main" id="{1B0D647D-66C5-4743-B748-B4AF4D780ADA}"/>
+              </a:ext>
+            </a:extLst>
+          </p:cNvPr>
+          <p:cNvPicPr>
+            <a:picLocks noChangeAspect="1"/>
+          </p:cNvPicPr>
+          <p:nvPr/>
+        </p:nvPicPr>
+        <p:blipFill>
+          <a:blip r:embed="rId3"/>
+          <a:stretch>
+            <a:fillRect/>
+          </a:stretch>
+        </p:blipFill>
+        <p:spPr>
+          <a:xfrm>
+            <a:off x="2540999" y="2221010"/>
+            <a:ext cx="7110002" cy="4688307"/>
+          </a:xfrm>
+          <a:prstGeom prst="rect">
+            <a:avLst/>
+          </a:prstGeom>
+        </p:spPr>
+      </p:pic>
+    </p:spTree>
+    <p:extLst>
+      <p:ext uri="{BB962C8B-B14F-4D97-AF65-F5344CB8AC3E}">
+        <p14:creationId xmlns:p14="http://schemas.microsoft.com/office/powerpoint/2010/main" val="2471231932"/>
+      </p:ext>
+    </p:extLst>
+  </p:cSld>
+  <p:clrMapOvr>
+    <a:masterClrMapping/>
+  </p:clrMapOvr>
+</p:sld>
+</file>
+
+<file path=ppt/slides/slide11.xml><?xml version="1.0" encoding="utf-8"?>
+<p:sld xmlns:a="http://schemas.openxmlformats.org/drawingml/2006/main" xmlns:r="http://schemas.openxmlformats.org/officeDocument/2006/relationships" xmlns:p="http://schemas.openxmlformats.org/presentationml/2006/main">
+  <p:cSld>
+    <p:spTree>
+      <p:nvGrpSpPr>
+        <p:cNvPr id="1" name=""/>
+        <p:cNvGrpSpPr/>
+        <p:nvPr/>
+      </p:nvGrpSpPr>
+      <p:grpSpPr>
+        <a:xfrm>
+          <a:off x="0" y="0"/>
+          <a:ext cx="0" cy="0"/>
+          <a:chOff x="0" y="0"/>
+          <a:chExt cx="0" cy="0"/>
+        </a:xfrm>
+      </p:grpSpPr>
+      <p:sp>
+        <p:nvSpPr>
+          <p:cNvPr id="2" name="Titolo 1">
+            <a:extLst>
+              <a:ext uri="{FF2B5EF4-FFF2-40B4-BE49-F238E27FC236}">
                 <a16:creationId xmlns:a16="http://schemas.microsoft.com/office/drawing/2014/main" id="{1D151696-17F2-4DDE-9C14-7158B4F9ACCA}"/>
               </a:ext>
             </a:extLst>
@@ -4268,7 +4525,7 @@
 </p:sld>
 </file>
 
-<file path=ppt/slides/slide11.xml><?xml version="1.0" encoding="utf-8"?>
+<file path=ppt/slides/slide12.xml><?xml version="1.0" encoding="utf-8"?>
 <p:sld xmlns:a="http://schemas.openxmlformats.org/drawingml/2006/main" xmlns:r="http://schemas.openxmlformats.org/officeDocument/2006/relationships" xmlns:p="http://schemas.openxmlformats.org/presentationml/2006/main">
   <p:cSld>
     <p:spTree>
@@ -6630,8 +6887,8 @@
           </a:p>
         </p:txBody>
       </p:sp>
-      <mc:AlternateContent xmlns:mc="http://schemas.openxmlformats.org/markup-compatibility/2006">
-        <mc:Choice xmlns:a14="http://schemas.microsoft.com/office/drawing/2010/main" Requires="a14">
+      <mc:AlternateContent xmlns:mc="http://schemas.openxmlformats.org/markup-compatibility/2006" xmlns:a14="http://schemas.microsoft.com/office/drawing/2010/main">
+        <mc:Choice Requires="a14">
           <p:sp>
             <p:nvSpPr>
               <p:cNvPr id="3" name="Segnaposto contenuto 2">
@@ -6920,7 +7177,7 @@
             </p:txBody>
           </p:sp>
         </mc:Choice>
-        <mc:Fallback>
+        <mc:Fallback xmlns="">
           <p:sp>
             <p:nvSpPr>
               <p:cNvPr id="3" name="Segnaposto contenuto 2">
@@ -7022,8 +7279,8 @@
           </a:p>
         </p:txBody>
       </p:sp>
-      <mc:AlternateContent xmlns:mc="http://schemas.openxmlformats.org/markup-compatibility/2006">
-        <mc:Choice xmlns:a14="http://schemas.microsoft.com/office/drawing/2010/main" Requires="a14">
+      <mc:AlternateContent xmlns:mc="http://schemas.openxmlformats.org/markup-compatibility/2006" xmlns:a14="http://schemas.microsoft.com/office/drawing/2010/main">
+        <mc:Choice Requires="a14">
           <p:sp>
             <p:nvSpPr>
               <p:cNvPr id="3" name="Segnaposto contenuto 2">
@@ -7421,7 +7678,7 @@
             </p:txBody>
           </p:sp>
         </mc:Choice>
-        <mc:Fallback>
+        <mc:Fallback xmlns="">
           <p:sp>
             <p:nvSpPr>
               <p:cNvPr id="3" name="Segnaposto contenuto 2">
